--- a/Komplex-programozás-project.pptx
+++ b/Komplex-programozás-project.pptx
@@ -11,6 +11,7 @@
     <p:sldId id="259" r:id="rId5"/>
     <p:sldId id="260" r:id="rId6"/>
     <p:sldId id="261" r:id="rId7"/>
+    <p:sldId id="262" r:id="rId8"/>
   </p:sldIdLst>
   <p:sldSz cx="12192000" cy="6858000"/>
   <p:notesSz cx="6858000" cy="9144000"/>
@@ -4299,7 +4300,7 @@
           </a:lstStyle>
           <a:p>
             <a:r>
-              <a:rPr lang="hu-HU" smtClean="0"/>
+              <a:rPr lang="hu-HU"/>
               <a:t>Mintacím szerkesztése</a:t>
             </a:r>
             <a:endParaRPr lang="en-US" dirty="0"/>
@@ -4370,7 +4371,7 @@
           </a:lstStyle>
           <a:p>
             <a:r>
-              <a:rPr lang="hu-HU" smtClean="0"/>
+              <a:rPr lang="hu-HU"/>
               <a:t>Kattintson ide az alcím mintájának szerkesztéséhez</a:t>
             </a:r>
             <a:endParaRPr lang="en-US" dirty="0"/>
@@ -4399,7 +4400,7 @@
           <a:p>
             <a:fld id="{48A87A34-81AB-432B-8DAE-1953F412C126}" type="datetimeFigureOut">
               <a:rPr lang="en-US" dirty="0"/>
-              <a:t>10/15/2020</a:t>
+              <a:t>10/16/2020</a:t>
             </a:fld>
             <a:endParaRPr lang="en-US" dirty="0"/>
           </a:p>
@@ -4509,7 +4510,7 @@
           </a:lstStyle>
           <a:p>
             <a:r>
-              <a:rPr lang="hu-HU" smtClean="0"/>
+              <a:rPr lang="hu-HU"/>
               <a:t>Mintacím szerkesztése</a:t>
             </a:r>
             <a:endParaRPr lang="en-US" dirty="0"/>
@@ -4570,7 +4571,7 @@
               <a:buNone/>
             </a:pPr>
             <a:r>
-              <a:rPr lang="hu-HU" smtClean="0"/>
+              <a:rPr lang="hu-HU"/>
               <a:t>Kép beszúrásához kattintson az ikonra</a:t>
             </a:r>
             <a:endParaRPr lang="en-US" dirty="0"/>
@@ -4638,7 +4639,7 @@
           <a:p>
             <a:pPr lvl="0"/>
             <a:r>
-              <a:rPr lang="hu-HU" smtClean="0"/>
+              <a:rPr lang="hu-HU"/>
               <a:t>Mintaszöveg szerkesztése</a:t>
             </a:r>
           </a:p>
@@ -4661,7 +4662,7 @@
           <a:p>
             <a:fld id="{48A87A34-81AB-432B-8DAE-1953F412C126}" type="datetimeFigureOut">
               <a:rPr lang="en-US" dirty="0"/>
-              <a:t>10/15/2020</a:t>
+              <a:t>10/16/2020</a:t>
             </a:fld>
             <a:endParaRPr lang="en-US" dirty="0"/>
           </a:p>
@@ -4761,7 +4762,7 @@
           </a:lstStyle>
           <a:p>
             <a:r>
-              <a:rPr lang="hu-HU" smtClean="0"/>
+              <a:rPr lang="hu-HU"/>
               <a:t>Mintacím szerkesztése</a:t>
             </a:r>
             <a:endParaRPr lang="en-US" dirty="0"/>
@@ -4829,7 +4830,7 @@
           <a:p>
             <a:pPr lvl="0"/>
             <a:r>
-              <a:rPr lang="hu-HU" smtClean="0"/>
+              <a:rPr lang="hu-HU"/>
               <a:t>Mintaszöveg szerkesztése</a:t>
             </a:r>
           </a:p>
@@ -4852,7 +4853,7 @@
           <a:p>
             <a:fld id="{48A87A34-81AB-432B-8DAE-1953F412C126}" type="datetimeFigureOut">
               <a:rPr lang="en-US" dirty="0"/>
-              <a:t>10/15/2020</a:t>
+              <a:t>10/16/2020</a:t>
             </a:fld>
             <a:endParaRPr lang="en-US" dirty="0"/>
           </a:p>
@@ -4952,7 +4953,7 @@
           </a:lstStyle>
           <a:p>
             <a:r>
-              <a:rPr lang="hu-HU" smtClean="0"/>
+              <a:rPr lang="hu-HU"/>
               <a:t>Mintacím szerkesztése</a:t>
             </a:r>
             <a:endParaRPr lang="en-US" dirty="0"/>
@@ -5020,7 +5021,7 @@
           <a:p>
             <a:pPr lvl="0"/>
             <a:r>
-              <a:rPr lang="hu-HU" smtClean="0"/>
+              <a:rPr lang="hu-HU"/>
               <a:t>Mintaszöveg szerkesztése</a:t>
             </a:r>
           </a:p>
@@ -5087,7 +5088,7 @@
           <a:p>
             <a:pPr lvl="0"/>
             <a:r>
-              <a:rPr lang="hu-HU" smtClean="0"/>
+              <a:rPr lang="hu-HU"/>
               <a:t>Mintaszöveg szerkesztése</a:t>
             </a:r>
           </a:p>
@@ -5110,7 +5111,7 @@
           <a:p>
             <a:fld id="{48A87A34-81AB-432B-8DAE-1953F412C126}" type="datetimeFigureOut">
               <a:rPr lang="en-US" dirty="0"/>
-              <a:t>10/15/2020</a:t>
+              <a:t>10/16/2020</a:t>
             </a:fld>
             <a:endParaRPr lang="en-US" dirty="0"/>
           </a:p>
@@ -5448,7 +5449,7 @@
           </a:lstStyle>
           <a:p>
             <a:r>
-              <a:rPr lang="hu-HU" smtClean="0"/>
+              <a:rPr lang="hu-HU"/>
               <a:t>Mintacím szerkesztése</a:t>
             </a:r>
             <a:endParaRPr lang="en-US" dirty="0"/>
@@ -5516,7 +5517,7 @@
           <a:p>
             <a:pPr lvl="0"/>
             <a:r>
-              <a:rPr lang="hu-HU" smtClean="0"/>
+              <a:rPr lang="hu-HU"/>
               <a:t>Mintaszöveg szerkesztése</a:t>
             </a:r>
           </a:p>
@@ -5539,7 +5540,7 @@
           <a:p>
             <a:fld id="{48A87A34-81AB-432B-8DAE-1953F412C126}" type="datetimeFigureOut">
               <a:rPr lang="en-US" dirty="0"/>
-              <a:t>10/15/2020</a:t>
+              <a:t>10/16/2020</a:t>
             </a:fld>
             <a:endParaRPr lang="en-US" dirty="0"/>
           </a:p>
@@ -5633,7 +5634,7 @@
           <a:lstStyle/>
           <a:p>
             <a:r>
-              <a:rPr lang="hu-HU" smtClean="0"/>
+              <a:rPr lang="hu-HU"/>
               <a:t>Mintacím szerkesztése</a:t>
             </a:r>
             <a:endParaRPr lang="en-US" dirty="0"/>
@@ -5708,7 +5709,7 @@
           <a:p>
             <a:pPr lvl="0"/>
             <a:r>
-              <a:rPr lang="hu-HU" smtClean="0"/>
+              <a:rPr lang="hu-HU"/>
               <a:t>Mintaszöveg szerkesztése</a:t>
             </a:r>
           </a:p>
@@ -5775,7 +5776,7 @@
           <a:p>
             <a:pPr lvl="0"/>
             <a:r>
-              <a:rPr lang="hu-HU" smtClean="0"/>
+              <a:rPr lang="hu-HU"/>
               <a:t>Mintaszöveg szerkesztése</a:t>
             </a:r>
           </a:p>
@@ -5849,7 +5850,7 @@
           <a:p>
             <a:pPr lvl="0"/>
             <a:r>
-              <a:rPr lang="hu-HU" smtClean="0"/>
+              <a:rPr lang="hu-HU"/>
               <a:t>Mintaszöveg szerkesztése</a:t>
             </a:r>
           </a:p>
@@ -5916,7 +5917,7 @@
           <a:p>
             <a:pPr lvl="0"/>
             <a:r>
-              <a:rPr lang="hu-HU" smtClean="0"/>
+              <a:rPr lang="hu-HU"/>
               <a:t>Mintaszöveg szerkesztése</a:t>
             </a:r>
           </a:p>
@@ -5990,7 +5991,7 @@
           <a:p>
             <a:pPr lvl="0"/>
             <a:r>
-              <a:rPr lang="hu-HU" smtClean="0"/>
+              <a:rPr lang="hu-HU"/>
               <a:t>Mintaszöveg szerkesztése</a:t>
             </a:r>
           </a:p>
@@ -6057,7 +6058,7 @@
           <a:p>
             <a:pPr lvl="0"/>
             <a:r>
-              <a:rPr lang="hu-HU" smtClean="0"/>
+              <a:rPr lang="hu-HU"/>
               <a:t>Mintaszöveg szerkesztése</a:t>
             </a:r>
           </a:p>
@@ -6080,7 +6081,7 @@
           <a:p>
             <a:fld id="{48A87A34-81AB-432B-8DAE-1953F412C126}" type="datetimeFigureOut">
               <a:rPr lang="en-US" dirty="0"/>
-              <a:t>10/15/2020</a:t>
+              <a:t>10/16/2020</a:t>
             </a:fld>
             <a:endParaRPr lang="en-US" dirty="0"/>
           </a:p>
@@ -6174,7 +6175,7 @@
           <a:lstStyle/>
           <a:p>
             <a:r>
-              <a:rPr lang="hu-HU" smtClean="0"/>
+              <a:rPr lang="hu-HU"/>
               <a:t>Mintacím szerkesztése</a:t>
             </a:r>
             <a:endParaRPr lang="en-US" dirty="0"/>
@@ -6249,7 +6250,7 @@
           <a:p>
             <a:pPr lvl="0"/>
             <a:r>
-              <a:rPr lang="hu-HU" smtClean="0"/>
+              <a:rPr lang="hu-HU"/>
               <a:t>Mintaszöveg szerkesztése</a:t>
             </a:r>
           </a:p>
@@ -6306,7 +6307,7 @@
               <a:buNone/>
             </a:pPr>
             <a:r>
-              <a:rPr lang="hu-HU" smtClean="0"/>
+              <a:rPr lang="hu-HU"/>
               <a:t>Kép beszúrásához kattintson az ikonra</a:t>
             </a:r>
             <a:endParaRPr lang="en-US" dirty="0"/>
@@ -6374,7 +6375,7 @@
           <a:p>
             <a:pPr lvl="0"/>
             <a:r>
-              <a:rPr lang="hu-HU" smtClean="0"/>
+              <a:rPr lang="hu-HU"/>
               <a:t>Mintaszöveg szerkesztése</a:t>
             </a:r>
           </a:p>
@@ -6448,7 +6449,7 @@
           <a:p>
             <a:pPr lvl="0"/>
             <a:r>
-              <a:rPr lang="hu-HU" smtClean="0"/>
+              <a:rPr lang="hu-HU"/>
               <a:t>Mintaszöveg szerkesztése</a:t>
             </a:r>
           </a:p>
@@ -6505,7 +6506,7 @@
               <a:buNone/>
             </a:pPr>
             <a:r>
-              <a:rPr lang="hu-HU" smtClean="0"/>
+              <a:rPr lang="hu-HU"/>
               <a:t>Kép beszúrásához kattintson az ikonra</a:t>
             </a:r>
             <a:endParaRPr lang="en-US" dirty="0"/>
@@ -6573,7 +6574,7 @@
           <a:p>
             <a:pPr lvl="0"/>
             <a:r>
-              <a:rPr lang="hu-HU" smtClean="0"/>
+              <a:rPr lang="hu-HU"/>
               <a:t>Mintaszöveg szerkesztése</a:t>
             </a:r>
           </a:p>
@@ -6647,7 +6648,7 @@
           <a:p>
             <a:pPr lvl="0"/>
             <a:r>
-              <a:rPr lang="hu-HU" smtClean="0"/>
+              <a:rPr lang="hu-HU"/>
               <a:t>Mintaszöveg szerkesztése</a:t>
             </a:r>
           </a:p>
@@ -6704,7 +6705,7 @@
               <a:buNone/>
             </a:pPr>
             <a:r>
-              <a:rPr lang="hu-HU" smtClean="0"/>
+              <a:rPr lang="hu-HU"/>
               <a:t>Kép beszúrásához kattintson az ikonra</a:t>
             </a:r>
             <a:endParaRPr lang="en-US" dirty="0"/>
@@ -6772,7 +6773,7 @@
           <a:p>
             <a:pPr lvl="0"/>
             <a:r>
-              <a:rPr lang="hu-HU" smtClean="0"/>
+              <a:rPr lang="hu-HU"/>
               <a:t>Mintaszöveg szerkesztése</a:t>
             </a:r>
           </a:p>
@@ -6795,7 +6796,7 @@
           <a:p>
             <a:fld id="{48A87A34-81AB-432B-8DAE-1953F412C126}" type="datetimeFigureOut">
               <a:rPr lang="en-US" dirty="0"/>
-              <a:t>10/15/2020</a:t>
+              <a:t>10/16/2020</a:t>
             </a:fld>
             <a:endParaRPr lang="en-US" dirty="0"/>
           </a:p>
@@ -6884,7 +6885,7 @@
           <a:lstStyle/>
           <a:p>
             <a:r>
-              <a:rPr lang="hu-HU" smtClean="0"/>
+              <a:rPr lang="hu-HU"/>
               <a:t>Mintacím szerkesztése</a:t>
             </a:r>
             <a:endParaRPr lang="en-US" dirty="0"/>
@@ -6908,35 +6909,35 @@
           <a:p>
             <a:pPr lvl="0"/>
             <a:r>
-              <a:rPr lang="hu-HU" smtClean="0"/>
+              <a:rPr lang="hu-HU"/>
               <a:t>Mintaszöveg szerkesztése</a:t>
             </a:r>
           </a:p>
           <a:p>
             <a:pPr lvl="1"/>
             <a:r>
-              <a:rPr lang="hu-HU" smtClean="0"/>
+              <a:rPr lang="hu-HU"/>
               <a:t>Második szint</a:t>
             </a:r>
           </a:p>
           <a:p>
             <a:pPr lvl="2"/>
             <a:r>
-              <a:rPr lang="hu-HU" smtClean="0"/>
+              <a:rPr lang="hu-HU"/>
               <a:t>Harmadik szint</a:t>
             </a:r>
           </a:p>
           <a:p>
             <a:pPr lvl="3"/>
             <a:r>
-              <a:rPr lang="hu-HU" smtClean="0"/>
+              <a:rPr lang="hu-HU"/>
               <a:t>Negyedik szint</a:t>
             </a:r>
           </a:p>
           <a:p>
             <a:pPr lvl="4"/>
             <a:r>
-              <a:rPr lang="hu-HU" smtClean="0"/>
+              <a:rPr lang="hu-HU"/>
               <a:t>Ötödik szint</a:t>
             </a:r>
             <a:endParaRPr lang="en-US" dirty="0"/>
@@ -6960,7 +6961,7 @@
           <a:p>
             <a:fld id="{48A87A34-81AB-432B-8DAE-1953F412C126}" type="datetimeFigureOut">
               <a:rPr lang="en-US" dirty="0"/>
-              <a:t>10/15/2020</a:t>
+              <a:t>10/16/2020</a:t>
             </a:fld>
             <a:endParaRPr lang="en-US" dirty="0"/>
           </a:p>
@@ -7054,7 +7055,7 @@
           <a:lstStyle/>
           <a:p>
             <a:r>
-              <a:rPr lang="hu-HU" smtClean="0"/>
+              <a:rPr lang="hu-HU"/>
               <a:t>Mintacím szerkesztése</a:t>
             </a:r>
             <a:endParaRPr lang="en-US" dirty="0"/>
@@ -7083,35 +7084,35 @@
           <a:p>
             <a:pPr lvl="0"/>
             <a:r>
-              <a:rPr lang="hu-HU" smtClean="0"/>
+              <a:rPr lang="hu-HU"/>
               <a:t>Mintaszöveg szerkesztése</a:t>
             </a:r>
           </a:p>
           <a:p>
             <a:pPr lvl="1"/>
             <a:r>
-              <a:rPr lang="hu-HU" smtClean="0"/>
+              <a:rPr lang="hu-HU"/>
               <a:t>Második szint</a:t>
             </a:r>
           </a:p>
           <a:p>
             <a:pPr lvl="2"/>
             <a:r>
-              <a:rPr lang="hu-HU" smtClean="0"/>
+              <a:rPr lang="hu-HU"/>
               <a:t>Harmadik szint</a:t>
             </a:r>
           </a:p>
           <a:p>
             <a:pPr lvl="3"/>
             <a:r>
-              <a:rPr lang="hu-HU" smtClean="0"/>
+              <a:rPr lang="hu-HU"/>
               <a:t>Negyedik szint</a:t>
             </a:r>
           </a:p>
           <a:p>
             <a:pPr lvl="4"/>
             <a:r>
-              <a:rPr lang="hu-HU" smtClean="0"/>
+              <a:rPr lang="hu-HU"/>
               <a:t>Ötödik szint</a:t>
             </a:r>
             <a:endParaRPr lang="en-US" dirty="0"/>
@@ -7135,7 +7136,7 @@
           <a:p>
             <a:fld id="{48A87A34-81AB-432B-8DAE-1953F412C126}" type="datetimeFigureOut">
               <a:rPr lang="en-US" dirty="0"/>
-              <a:t>10/15/2020</a:t>
+              <a:t>10/16/2020</a:t>
             </a:fld>
             <a:endParaRPr lang="en-US" dirty="0"/>
           </a:p>
@@ -7224,7 +7225,7 @@
           <a:lstStyle/>
           <a:p>
             <a:r>
-              <a:rPr lang="hu-HU" smtClean="0"/>
+              <a:rPr lang="hu-HU"/>
               <a:t>Mintacím szerkesztése</a:t>
             </a:r>
             <a:endParaRPr lang="en-US" dirty="0"/>
@@ -7248,35 +7249,35 @@
           <a:p>
             <a:pPr lvl="0"/>
             <a:r>
-              <a:rPr lang="hu-HU" smtClean="0"/>
+              <a:rPr lang="hu-HU"/>
               <a:t>Mintaszöveg szerkesztése</a:t>
             </a:r>
           </a:p>
           <a:p>
             <a:pPr lvl="1"/>
             <a:r>
-              <a:rPr lang="hu-HU" smtClean="0"/>
+              <a:rPr lang="hu-HU"/>
               <a:t>Második szint</a:t>
             </a:r>
           </a:p>
           <a:p>
             <a:pPr lvl="2"/>
             <a:r>
-              <a:rPr lang="hu-HU" smtClean="0"/>
+              <a:rPr lang="hu-HU"/>
               <a:t>Harmadik szint</a:t>
             </a:r>
           </a:p>
           <a:p>
             <a:pPr lvl="3"/>
             <a:r>
-              <a:rPr lang="hu-HU" smtClean="0"/>
+              <a:rPr lang="hu-HU"/>
               <a:t>Negyedik szint</a:t>
             </a:r>
           </a:p>
           <a:p>
             <a:pPr lvl="4"/>
             <a:r>
-              <a:rPr lang="hu-HU" smtClean="0"/>
+              <a:rPr lang="hu-HU"/>
               <a:t>Ötödik szint</a:t>
             </a:r>
             <a:endParaRPr lang="en-US" dirty="0"/>
@@ -7300,7 +7301,7 @@
           <a:p>
             <a:fld id="{48A87A34-81AB-432B-8DAE-1953F412C126}" type="datetimeFigureOut">
               <a:rPr lang="en-US" dirty="0"/>
-              <a:t>10/15/2020</a:t>
+              <a:t>10/16/2020</a:t>
             </a:fld>
             <a:endParaRPr lang="en-US" dirty="0"/>
           </a:p>
@@ -7400,7 +7401,7 @@
           </a:lstStyle>
           <a:p>
             <a:r>
-              <a:rPr lang="hu-HU" smtClean="0"/>
+              <a:rPr lang="hu-HU"/>
               <a:t>Mintacím szerkesztése</a:t>
             </a:r>
             <a:endParaRPr lang="en-US" dirty="0"/>
@@ -7522,7 +7523,7 @@
           <a:p>
             <a:pPr lvl="0"/>
             <a:r>
-              <a:rPr lang="hu-HU" smtClean="0"/>
+              <a:rPr lang="hu-HU"/>
               <a:t>Mintaszöveg szerkesztése</a:t>
             </a:r>
           </a:p>
@@ -7545,7 +7546,7 @@
           <a:p>
             <a:fld id="{48A87A34-81AB-432B-8DAE-1953F412C126}" type="datetimeFigureOut">
               <a:rPr lang="en-US" dirty="0"/>
-              <a:t>10/15/2020</a:t>
+              <a:t>10/16/2020</a:t>
             </a:fld>
             <a:endParaRPr lang="en-US" dirty="0"/>
           </a:p>
@@ -7634,7 +7635,7 @@
           <a:lstStyle/>
           <a:p>
             <a:r>
-              <a:rPr lang="hu-HU" smtClean="0"/>
+              <a:rPr lang="hu-HU"/>
               <a:t>Mintacím szerkesztése</a:t>
             </a:r>
             <a:endParaRPr lang="en-US" dirty="0"/>
@@ -7663,35 +7664,35 @@
           <a:p>
             <a:pPr lvl="0"/>
             <a:r>
-              <a:rPr lang="hu-HU" smtClean="0"/>
+              <a:rPr lang="hu-HU"/>
               <a:t>Mintaszöveg szerkesztése</a:t>
             </a:r>
           </a:p>
           <a:p>
             <a:pPr lvl="1"/>
             <a:r>
-              <a:rPr lang="hu-HU" smtClean="0"/>
+              <a:rPr lang="hu-HU"/>
               <a:t>Második szint</a:t>
             </a:r>
           </a:p>
           <a:p>
             <a:pPr lvl="2"/>
             <a:r>
-              <a:rPr lang="hu-HU" smtClean="0"/>
+              <a:rPr lang="hu-HU"/>
               <a:t>Harmadik szint</a:t>
             </a:r>
           </a:p>
           <a:p>
             <a:pPr lvl="3"/>
             <a:r>
-              <a:rPr lang="hu-HU" smtClean="0"/>
+              <a:rPr lang="hu-HU"/>
               <a:t>Negyedik szint</a:t>
             </a:r>
           </a:p>
           <a:p>
             <a:pPr lvl="4"/>
             <a:r>
-              <a:rPr lang="hu-HU" smtClean="0"/>
+              <a:rPr lang="hu-HU"/>
               <a:t>Ötödik szint</a:t>
             </a:r>
             <a:endParaRPr lang="en-US" dirty="0"/>
@@ -7720,35 +7721,35 @@
           <a:p>
             <a:pPr lvl="0"/>
             <a:r>
-              <a:rPr lang="hu-HU" smtClean="0"/>
+              <a:rPr lang="hu-HU"/>
               <a:t>Mintaszöveg szerkesztése</a:t>
             </a:r>
           </a:p>
           <a:p>
             <a:pPr lvl="1"/>
             <a:r>
-              <a:rPr lang="hu-HU" smtClean="0"/>
+              <a:rPr lang="hu-HU"/>
               <a:t>Második szint</a:t>
             </a:r>
           </a:p>
           <a:p>
             <a:pPr lvl="2"/>
             <a:r>
-              <a:rPr lang="hu-HU" smtClean="0"/>
+              <a:rPr lang="hu-HU"/>
               <a:t>Harmadik szint</a:t>
             </a:r>
           </a:p>
           <a:p>
             <a:pPr lvl="3"/>
             <a:r>
-              <a:rPr lang="hu-HU" smtClean="0"/>
+              <a:rPr lang="hu-HU"/>
               <a:t>Negyedik szint</a:t>
             </a:r>
           </a:p>
           <a:p>
             <a:pPr lvl="4"/>
             <a:r>
-              <a:rPr lang="hu-HU" smtClean="0"/>
+              <a:rPr lang="hu-HU"/>
               <a:t>Ötödik szint</a:t>
             </a:r>
             <a:endParaRPr lang="en-US" dirty="0"/>
@@ -7772,7 +7773,7 @@
           <a:p>
             <a:fld id="{48A87A34-81AB-432B-8DAE-1953F412C126}" type="datetimeFigureOut">
               <a:rPr lang="en-US" dirty="0"/>
-              <a:t>10/15/2020</a:t>
+              <a:t>10/16/2020</a:t>
             </a:fld>
             <a:endParaRPr lang="en-US" dirty="0"/>
           </a:p>
@@ -7866,7 +7867,7 @@
           <a:lstStyle/>
           <a:p>
             <a:r>
-              <a:rPr lang="hu-HU" smtClean="0"/>
+              <a:rPr lang="hu-HU"/>
               <a:t>Mintacím szerkesztése</a:t>
             </a:r>
             <a:endParaRPr lang="en-US" dirty="0"/>
@@ -7939,7 +7940,7 @@
           <a:p>
             <a:pPr lvl="0"/>
             <a:r>
-              <a:rPr lang="hu-HU" smtClean="0"/>
+              <a:rPr lang="hu-HU"/>
               <a:t>Mintaszöveg szerkesztése</a:t>
             </a:r>
           </a:p>
@@ -7967,35 +7968,35 @@
           <a:p>
             <a:pPr lvl="0"/>
             <a:r>
-              <a:rPr lang="hu-HU" smtClean="0"/>
+              <a:rPr lang="hu-HU"/>
               <a:t>Mintaszöveg szerkesztése</a:t>
             </a:r>
           </a:p>
           <a:p>
             <a:pPr lvl="1"/>
             <a:r>
-              <a:rPr lang="hu-HU" smtClean="0"/>
+              <a:rPr lang="hu-HU"/>
               <a:t>Második szint</a:t>
             </a:r>
           </a:p>
           <a:p>
             <a:pPr lvl="2"/>
             <a:r>
-              <a:rPr lang="hu-HU" smtClean="0"/>
+              <a:rPr lang="hu-HU"/>
               <a:t>Harmadik szint</a:t>
             </a:r>
           </a:p>
           <a:p>
             <a:pPr lvl="3"/>
             <a:r>
-              <a:rPr lang="hu-HU" smtClean="0"/>
+              <a:rPr lang="hu-HU"/>
               <a:t>Negyedik szint</a:t>
             </a:r>
           </a:p>
           <a:p>
             <a:pPr lvl="4"/>
             <a:r>
-              <a:rPr lang="hu-HU" smtClean="0"/>
+              <a:rPr lang="hu-HU"/>
               <a:t>Ötödik szint</a:t>
             </a:r>
             <a:endParaRPr lang="en-US" dirty="0"/>
@@ -8068,7 +8069,7 @@
           <a:p>
             <a:pPr lvl="0"/>
             <a:r>
-              <a:rPr lang="hu-HU" smtClean="0"/>
+              <a:rPr lang="hu-HU"/>
               <a:t>Mintaszöveg szerkesztése</a:t>
             </a:r>
           </a:p>
@@ -8096,35 +8097,35 @@
           <a:p>
             <a:pPr lvl="0"/>
             <a:r>
-              <a:rPr lang="hu-HU" smtClean="0"/>
+              <a:rPr lang="hu-HU"/>
               <a:t>Mintaszöveg szerkesztése</a:t>
             </a:r>
           </a:p>
           <a:p>
             <a:pPr lvl="1"/>
             <a:r>
-              <a:rPr lang="hu-HU" smtClean="0"/>
+              <a:rPr lang="hu-HU"/>
               <a:t>Második szint</a:t>
             </a:r>
           </a:p>
           <a:p>
             <a:pPr lvl="2"/>
             <a:r>
-              <a:rPr lang="hu-HU" smtClean="0"/>
+              <a:rPr lang="hu-HU"/>
               <a:t>Harmadik szint</a:t>
             </a:r>
           </a:p>
           <a:p>
             <a:pPr lvl="3"/>
             <a:r>
-              <a:rPr lang="hu-HU" smtClean="0"/>
+              <a:rPr lang="hu-HU"/>
               <a:t>Negyedik szint</a:t>
             </a:r>
           </a:p>
           <a:p>
             <a:pPr lvl="4"/>
             <a:r>
-              <a:rPr lang="hu-HU" smtClean="0"/>
+              <a:rPr lang="hu-HU"/>
               <a:t>Ötödik szint</a:t>
             </a:r>
             <a:endParaRPr lang="en-US" dirty="0"/>
@@ -8148,7 +8149,7 @@
           <a:p>
             <a:fld id="{48A87A34-81AB-432B-8DAE-1953F412C126}" type="datetimeFigureOut">
               <a:rPr lang="en-US" dirty="0"/>
-              <a:t>10/15/2020</a:t>
+              <a:t>10/16/2020</a:t>
             </a:fld>
             <a:endParaRPr lang="en-US" dirty="0"/>
           </a:p>
@@ -8237,7 +8238,7 @@
           <a:lstStyle/>
           <a:p>
             <a:r>
-              <a:rPr lang="hu-HU" smtClean="0"/>
+              <a:rPr lang="hu-HU"/>
               <a:t>Mintacím szerkesztése</a:t>
             </a:r>
             <a:endParaRPr lang="en-US" dirty="0"/>
@@ -8261,7 +8262,7 @@
           <a:p>
             <a:fld id="{48A87A34-81AB-432B-8DAE-1953F412C126}" type="datetimeFigureOut">
               <a:rPr lang="en-US" dirty="0"/>
-              <a:t>10/15/2020</a:t>
+              <a:t>10/16/2020</a:t>
             </a:fld>
             <a:endParaRPr lang="en-US" dirty="0"/>
           </a:p>
@@ -8351,7 +8352,7 @@
           <a:p>
             <a:fld id="{48A87A34-81AB-432B-8DAE-1953F412C126}" type="datetimeFigureOut">
               <a:rPr lang="en-US" dirty="0"/>
-              <a:t>10/15/2020</a:t>
+              <a:t>10/16/2020</a:t>
             </a:fld>
             <a:endParaRPr lang="en-US" dirty="0"/>
           </a:p>
@@ -8449,7 +8450,7 @@
           </a:lstStyle>
           <a:p>
             <a:r>
-              <a:rPr lang="hu-HU" smtClean="0"/>
+              <a:rPr lang="hu-HU"/>
               <a:t>Mintacím szerkesztése</a:t>
             </a:r>
             <a:endParaRPr lang="en-US" dirty="0"/>
@@ -8478,35 +8479,35 @@
           <a:p>
             <a:pPr lvl="0"/>
             <a:r>
-              <a:rPr lang="hu-HU" smtClean="0"/>
+              <a:rPr lang="hu-HU"/>
               <a:t>Mintaszöveg szerkesztése</a:t>
             </a:r>
           </a:p>
           <a:p>
             <a:pPr lvl="1"/>
             <a:r>
-              <a:rPr lang="hu-HU" smtClean="0"/>
+              <a:rPr lang="hu-HU"/>
               <a:t>Második szint</a:t>
             </a:r>
           </a:p>
           <a:p>
             <a:pPr lvl="2"/>
             <a:r>
-              <a:rPr lang="hu-HU" smtClean="0"/>
+              <a:rPr lang="hu-HU"/>
               <a:t>Harmadik szint</a:t>
             </a:r>
           </a:p>
           <a:p>
             <a:pPr lvl="3"/>
             <a:r>
-              <a:rPr lang="hu-HU" smtClean="0"/>
+              <a:rPr lang="hu-HU"/>
               <a:t>Negyedik szint</a:t>
             </a:r>
           </a:p>
           <a:p>
             <a:pPr lvl="4"/>
             <a:r>
-              <a:rPr lang="hu-HU" smtClean="0"/>
+              <a:rPr lang="hu-HU"/>
               <a:t>Ötödik szint</a:t>
             </a:r>
             <a:endParaRPr lang="en-US" dirty="0"/>
@@ -8572,7 +8573,7 @@
           <a:p>
             <a:pPr lvl="0"/>
             <a:r>
-              <a:rPr lang="hu-HU" smtClean="0"/>
+              <a:rPr lang="hu-HU"/>
               <a:t>Mintaszöveg szerkesztése</a:t>
             </a:r>
           </a:p>
@@ -8595,7 +8596,7 @@
           <a:p>
             <a:fld id="{48A87A34-81AB-432B-8DAE-1953F412C126}" type="datetimeFigureOut">
               <a:rPr lang="en-US" dirty="0"/>
-              <a:t>10/15/2020</a:t>
+              <a:t>10/16/2020</a:t>
             </a:fld>
             <a:endParaRPr lang="en-US" dirty="0"/>
           </a:p>
@@ -8693,7 +8694,7 @@
           </a:lstStyle>
           <a:p>
             <a:r>
-              <a:rPr lang="hu-HU" smtClean="0"/>
+              <a:rPr lang="hu-HU"/>
               <a:t>Mintacím szerkesztése</a:t>
             </a:r>
             <a:endParaRPr lang="en-US" dirty="0"/>
@@ -8781,7 +8782,7 @@
           </a:lstStyle>
           <a:p>
             <a:r>
-              <a:rPr lang="hu-HU" smtClean="0"/>
+              <a:rPr lang="hu-HU"/>
               <a:t>Kép beszúrásához kattintson az ikonra</a:t>
             </a:r>
             <a:endParaRPr lang="en-US" dirty="0"/>
@@ -8847,7 +8848,7 @@
           <a:p>
             <a:pPr lvl="0"/>
             <a:r>
-              <a:rPr lang="hu-HU" smtClean="0"/>
+              <a:rPr lang="hu-HU"/>
               <a:t>Mintaszöveg szerkesztése</a:t>
             </a:r>
           </a:p>
@@ -8870,7 +8871,7 @@
           <a:p>
             <a:fld id="{48A87A34-81AB-432B-8DAE-1953F412C126}" type="datetimeFigureOut">
               <a:rPr lang="en-US" dirty="0"/>
-              <a:t>10/15/2020</a:t>
+              <a:t>10/16/2020</a:t>
             </a:fld>
             <a:endParaRPr lang="en-US" dirty="0"/>
           </a:p>
@@ -11862,35 +11863,35 @@
           <a:p>
             <a:pPr lvl="0"/>
             <a:r>
-              <a:rPr lang="hu-HU" smtClean="0"/>
+              <a:rPr lang="hu-HU"/>
               <a:t>Mintaszöveg szerkesztése</a:t>
             </a:r>
           </a:p>
           <a:p>
             <a:pPr lvl="1"/>
             <a:r>
-              <a:rPr lang="hu-HU" smtClean="0"/>
+              <a:rPr lang="hu-HU"/>
               <a:t>Második szint</a:t>
             </a:r>
           </a:p>
           <a:p>
             <a:pPr lvl="2"/>
             <a:r>
-              <a:rPr lang="hu-HU" smtClean="0"/>
+              <a:rPr lang="hu-HU"/>
               <a:t>Harmadik szint</a:t>
             </a:r>
           </a:p>
           <a:p>
             <a:pPr lvl="3"/>
             <a:r>
-              <a:rPr lang="hu-HU" smtClean="0"/>
+              <a:rPr lang="hu-HU"/>
               <a:t>Negyedik szint</a:t>
             </a:r>
           </a:p>
           <a:p>
             <a:pPr lvl="4"/>
             <a:r>
-              <a:rPr lang="hu-HU" smtClean="0"/>
+              <a:rPr lang="hu-HU"/>
               <a:t>Ötödik szint</a:t>
             </a:r>
             <a:endParaRPr lang="en-US" dirty="0"/>
@@ -11933,7 +11934,7 @@
             <a:fld id="{48A87A34-81AB-432B-8DAE-1953F412C126}" type="datetimeFigureOut">
               <a:rPr lang="en-US" dirty="0"/>
               <a:pPr/>
-              <a:t>10/15/2020</a:t>
+              <a:t>10/16/2020</a:t>
             </a:fld>
             <a:endParaRPr lang="en-US" dirty="0"/>
           </a:p>
@@ -12365,7 +12366,7 @@
           <a:lstStyle/>
           <a:p>
             <a:r>
-              <a:rPr lang="hu-HU" dirty="0" smtClean="0"/>
+              <a:rPr lang="hu-HU" dirty="0"/>
               <a:t>Komplex programozás project</a:t>
             </a:r>
             <a:endParaRPr lang="en-US" dirty="0"/>
@@ -12388,28 +12389,20 @@
           <a:lstStyle/>
           <a:p>
             <a:r>
-              <a:rPr lang="hu-HU" dirty="0" smtClean="0"/>
+              <a:rPr lang="hu-HU" dirty="0"/>
               <a:t>Szögfüggvények</a:t>
             </a:r>
             <a:br>
-              <a:rPr lang="hu-HU" dirty="0" smtClean="0"/>
+              <a:rPr lang="hu-HU" dirty="0"/>
+            </a:br>
+            <a:br>
+              <a:rPr lang="hu-HU" dirty="0"/>
+            </a:br>
+            <a:br>
+              <a:rPr lang="hu-HU" dirty="0"/>
             </a:br>
             <a:r>
-              <a:rPr lang="hu-HU" dirty="0" smtClean="0"/>
-              <a:t/>
-            </a:r>
-            <a:br>
-              <a:rPr lang="hu-HU" dirty="0" smtClean="0"/>
-            </a:br>
-            <a:r>
-              <a:rPr lang="hu-HU" dirty="0" smtClean="0"/>
-              <a:t/>
-            </a:r>
-            <a:br>
-              <a:rPr lang="hu-HU" dirty="0" smtClean="0"/>
-            </a:br>
-            <a:r>
-              <a:rPr lang="hu-HU" dirty="0" smtClean="0"/>
+              <a:rPr lang="hu-HU" dirty="0"/>
               <a:t>Berke Nándor, Pap Sándor Dániel, Ujj Ádám</a:t>
             </a:r>
             <a:endParaRPr lang="en-US" dirty="0"/>
@@ -12467,7 +12460,7 @@
           <a:lstStyle/>
           <a:p>
             <a:r>
-              <a:rPr lang="hu-HU" dirty="0" smtClean="0"/>
+              <a:rPr lang="hu-HU" dirty="0"/>
               <a:t>Kezdetek</a:t>
             </a:r>
             <a:endParaRPr lang="en-US" dirty="0"/>
@@ -12495,7 +12488,7 @@
           <a:lstStyle/>
           <a:p>
             <a:r>
-              <a:rPr lang="hu-HU" dirty="0" smtClean="0"/>
+              <a:rPr lang="hu-HU" dirty="0"/>
               <a:t>Nem volt túl sok minden amihez hozzá tudtunk nyúlni ezért annyi volt a téma hogy a matematikai szögfüggvényekkel lesz kapcsolatos a weboldal</a:t>
             </a:r>
             <a:endParaRPr lang="en-US" dirty="0"/>
@@ -12577,7 +12570,7 @@
           <a:lstStyle/>
           <a:p>
             <a:r>
-              <a:rPr lang="hu-HU" dirty="0" smtClean="0"/>
+              <a:rPr lang="hu-HU" dirty="0"/>
               <a:t>Stílus</a:t>
             </a:r>
             <a:endParaRPr lang="en-US" dirty="0"/>
@@ -12605,15 +12598,15 @@
           <a:lstStyle/>
           <a:p>
             <a:r>
-              <a:rPr lang="hu-HU" dirty="0" smtClean="0"/>
+              <a:rPr lang="hu-HU" dirty="0"/>
               <a:t>Az már biztos volt hogy </a:t>
             </a:r>
             <a:r>
-              <a:rPr lang="hu-HU" dirty="0" err="1" smtClean="0"/>
+              <a:rPr lang="hu-HU" dirty="0" err="1"/>
               <a:t>felülre</a:t>
             </a:r>
             <a:r>
-              <a:rPr lang="hu-HU" dirty="0" smtClean="0"/>
+              <a:rPr lang="hu-HU" dirty="0"/>
               <a:t> kellett kerülnie egy menünek amivel lehet majd navigálni a weboldalak között</a:t>
             </a:r>
           </a:p>
@@ -12622,7 +12615,7 @@
           </a:p>
           <a:p>
             <a:r>
-              <a:rPr lang="hu-HU" dirty="0" smtClean="0"/>
+              <a:rPr lang="hu-HU" dirty="0"/>
               <a:t>Amit persze meg is kellett formázni</a:t>
             </a:r>
             <a:endParaRPr lang="en-US" dirty="0"/>
@@ -12728,7 +12721,7 @@
           <a:lstStyle/>
           <a:p>
             <a:r>
-              <a:rPr lang="hu-HU" dirty="0" smtClean="0"/>
+              <a:rPr lang="hu-HU" dirty="0"/>
               <a:t>Egészében</a:t>
             </a:r>
             <a:endParaRPr lang="en-US" dirty="0"/>
@@ -12753,12 +12746,12 @@
         </p:spPr>
         <p:txBody>
           <a:bodyPr>
-            <a:normAutofit lnSpcReduction="10000"/>
+            <a:normAutofit/>
           </a:bodyPr>
           <a:lstStyle/>
           <a:p>
             <a:r>
-              <a:rPr lang="hu-HU" dirty="0" smtClean="0"/>
+              <a:rPr lang="hu-HU" dirty="0"/>
               <a:t>Egy sötét hátterű weboldal lett belőle amely kellemes nyugodt hangulatot teremt ahogy az a matematikának kellene</a:t>
             </a:r>
             <a:endParaRPr lang="en-US" dirty="0"/>
@@ -12840,7 +12833,7 @@
           <a:lstStyle/>
           <a:p>
             <a:r>
-              <a:rPr lang="hu-HU" dirty="0" smtClean="0"/>
+              <a:rPr lang="hu-HU" dirty="0"/>
               <a:t>Zene lejátszó</a:t>
             </a:r>
             <a:endParaRPr lang="en-US" dirty="0"/>
@@ -12865,20 +12858,20 @@
         </p:spPr>
         <p:txBody>
           <a:bodyPr>
-            <a:normAutofit fontScale="85000" lnSpcReduction="10000"/>
+            <a:normAutofit/>
           </a:bodyPr>
           <a:lstStyle/>
           <a:p>
             <a:r>
-              <a:rPr lang="hu-HU" dirty="0" smtClean="0"/>
+              <a:rPr lang="hu-HU" dirty="0"/>
               <a:t>Nyugis </a:t>
             </a:r>
             <a:r>
-              <a:rPr lang="hu-HU" dirty="0" err="1" smtClean="0"/>
+              <a:rPr lang="hu-HU" dirty="0" err="1"/>
               <a:t>oldalohoz</a:t>
             </a:r>
             <a:r>
-              <a:rPr lang="hu-HU" dirty="0" smtClean="0"/>
+              <a:rPr lang="hu-HU" dirty="0"/>
               <a:t> nyugis zene kellett, erre szolgál a „Music” gomb</a:t>
             </a:r>
             <a:endParaRPr lang="en-US" dirty="0"/>
@@ -12932,31 +12925,31 @@
           <a:lstStyle/>
           <a:p>
             <a:r>
-              <a:rPr lang="hu-HU" dirty="0" smtClean="0"/>
+              <a:rPr lang="hu-HU" dirty="0"/>
               <a:t>Ennek a gombnak a működése viszont </a:t>
             </a:r>
             <a:r>
-              <a:rPr lang="hu-HU" dirty="0" err="1" smtClean="0"/>
+              <a:rPr lang="hu-HU" dirty="0" err="1"/>
               <a:t>javascript</a:t>
             </a:r>
             <a:r>
-              <a:rPr lang="hu-HU" dirty="0" smtClean="0"/>
+              <a:rPr lang="hu-HU" dirty="0"/>
               <a:t> és </a:t>
             </a:r>
             <a:r>
-              <a:rPr lang="hu-HU" dirty="0" err="1" smtClean="0"/>
+              <a:rPr lang="hu-HU" dirty="0" err="1"/>
               <a:t>iframe</a:t>
             </a:r>
             <a:r>
-              <a:rPr lang="hu-HU" dirty="0" smtClean="0"/>
+              <a:rPr lang="hu-HU" dirty="0"/>
               <a:t> segítségével működött </a:t>
             </a:r>
             <a:r>
-              <a:rPr lang="hu-HU" dirty="0" err="1" smtClean="0"/>
+              <a:rPr lang="hu-HU" dirty="0" err="1"/>
               <a:t>spotify-ról</a:t>
             </a:r>
             <a:r>
-              <a:rPr lang="hu-HU" dirty="0" smtClean="0"/>
+              <a:rPr lang="hu-HU" dirty="0"/>
               <a:t> lejátszva az albumot</a:t>
             </a:r>
             <a:endParaRPr lang="en-US" dirty="0"/>
@@ -13086,10 +13079,9 @@
           <a:lstStyle/>
           <a:p>
             <a:r>
-              <a:rPr lang="hu-HU" dirty="0" smtClean="0"/>
+              <a:rPr lang="hu-HU" dirty="0"/>
               <a:t>A téma tartalma</a:t>
             </a:r>
-            <a:endParaRPr lang="hu-HU" dirty="0"/>
           </a:p>
         </p:txBody>
       </p:sp>
@@ -13145,10 +13137,9 @@
           <a:lstStyle/>
           <a:p>
             <a:r>
-              <a:rPr lang="hu-HU" dirty="0" smtClean="0"/>
+              <a:rPr lang="hu-HU" dirty="0"/>
               <a:t>A téma tartalma ugyebár a szögfüggvényekről szól ezért, hogy a szöveg és a tartalom átláthatóbb legyen táblázatot használtunk mindegyik szögfüggvény tulajdonságának bemutatására.</a:t>
             </a:r>
-            <a:endParaRPr lang="hu-HU" dirty="0"/>
           </a:p>
         </p:txBody>
       </p:sp>
@@ -13156,6 +13147,160 @@
     <p:extLst>
       <p:ext uri="{BB962C8B-B14F-4D97-AF65-F5344CB8AC3E}">
         <p14:creationId xmlns:p14="http://schemas.microsoft.com/office/powerpoint/2010/main" val="1017754918"/>
+      </p:ext>
+    </p:extLst>
+  </p:cSld>
+  <p:clrMapOvr>
+    <a:masterClrMapping/>
+  </p:clrMapOvr>
+</p:sld>
+</file>
+
+<file path=ppt/slides/slide7.xml><?xml version="1.0" encoding="utf-8"?>
+<p:sld xmlns:a="http://schemas.openxmlformats.org/drawingml/2006/main" xmlns:r="http://schemas.openxmlformats.org/officeDocument/2006/relationships" xmlns:p="http://schemas.openxmlformats.org/presentationml/2006/main">
+  <p:cSld>
+    <p:spTree>
+      <p:nvGrpSpPr>
+        <p:cNvPr id="1" name=""/>
+        <p:cNvGrpSpPr/>
+        <p:nvPr/>
+      </p:nvGrpSpPr>
+      <p:grpSpPr>
+        <a:xfrm>
+          <a:off x="0" y="0"/>
+          <a:ext cx="0" cy="0"/>
+          <a:chOff x="0" y="0"/>
+          <a:chExt cx="0" cy="0"/>
+        </a:xfrm>
+      </p:grpSpPr>
+      <p:sp>
+        <p:nvSpPr>
+          <p:cNvPr id="2" name="Cím 1"/>
+          <p:cNvSpPr>
+            <a:spLocks noGrp="1"/>
+          </p:cNvSpPr>
+          <p:nvPr>
+            <p:ph type="title"/>
+          </p:nvPr>
+        </p:nvSpPr>
+        <p:spPr>
+          <a:xfrm>
+            <a:off x="1176582" y="565764"/>
+            <a:ext cx="9905998" cy="1478570"/>
+          </a:xfrm>
+        </p:spPr>
+        <p:txBody>
+          <a:bodyPr/>
+          <a:lstStyle/>
+          <a:p>
+            <a:r>
+              <a:rPr lang="hu-HU" dirty="0"/>
+              <a:t>A grafikonok</a:t>
+            </a:r>
+          </a:p>
+        </p:txBody>
+      </p:sp>
+      <p:sp>
+        <p:nvSpPr>
+          <p:cNvPr id="6" name="Szövegdoboz 5"/>
+          <p:cNvSpPr txBox="1"/>
+          <p:nvPr/>
+        </p:nvSpPr>
+        <p:spPr>
+          <a:xfrm>
+            <a:off x="1176582" y="1708030"/>
+            <a:ext cx="8410755" cy="646331"/>
+          </a:xfrm>
+          <a:prstGeom prst="rect">
+            <a:avLst/>
+          </a:prstGeom>
+          <a:noFill/>
+        </p:spPr>
+        <p:txBody>
+          <a:bodyPr wrap="square" rtlCol="0">
+            <a:spAutoFit/>
+          </a:bodyPr>
+          <a:lstStyle/>
+          <a:p>
+            <a:r>
+              <a:rPr lang="hu-HU" dirty="0"/>
+              <a:t>Az interaktív grafikonok rengeteget hozzáadhatnak. Egy ilyen project esetén a </a:t>
+            </a:r>
+            <a:r>
+              <a:rPr lang="hu-HU" dirty="0" err="1"/>
+              <a:t>WebGL</a:t>
+            </a:r>
+            <a:r>
+              <a:rPr lang="hu-HU" dirty="0"/>
+              <a:t> használata erre a célra csodálatos tanulási lehetőséget ad a technológia megismerésére. </a:t>
+            </a:r>
+          </a:p>
+        </p:txBody>
+      </p:sp>
+      <p:pic>
+        <p:nvPicPr>
+          <p:cNvPr id="3" name="Kép 2">
+            <a:extLst>
+              <a:ext uri="{FF2B5EF4-FFF2-40B4-BE49-F238E27FC236}">
+                <a16:creationId xmlns:a16="http://schemas.microsoft.com/office/drawing/2014/main" id="{AE1964A4-4D54-4C1B-B7F0-AE0CA425EC01}"/>
+              </a:ext>
+            </a:extLst>
+          </p:cNvPr>
+          <p:cNvPicPr>
+            <a:picLocks noChangeAspect="1"/>
+          </p:cNvPicPr>
+          <p:nvPr/>
+        </p:nvPicPr>
+        <p:blipFill>
+          <a:blip r:embed="rId2"/>
+          <a:stretch>
+            <a:fillRect/>
+          </a:stretch>
+        </p:blipFill>
+        <p:spPr>
+          <a:xfrm>
+            <a:off x="8258162" y="2531835"/>
+            <a:ext cx="3057540" cy="4177261"/>
+          </a:xfrm>
+          <a:prstGeom prst="rect">
+            <a:avLst/>
+          </a:prstGeom>
+        </p:spPr>
+      </p:pic>
+      <p:pic>
+        <p:nvPicPr>
+          <p:cNvPr id="8" name="Kép 7">
+            <a:extLst>
+              <a:ext uri="{FF2B5EF4-FFF2-40B4-BE49-F238E27FC236}">
+                <a16:creationId xmlns:a16="http://schemas.microsoft.com/office/drawing/2014/main" id="{8072E706-2934-4A67-BF43-1E0BF365444C}"/>
+              </a:ext>
+            </a:extLst>
+          </p:cNvPr>
+          <p:cNvPicPr>
+            <a:picLocks noChangeAspect="1"/>
+          </p:cNvPicPr>
+          <p:nvPr/>
+        </p:nvPicPr>
+        <p:blipFill>
+          <a:blip r:embed="rId3"/>
+          <a:stretch>
+            <a:fillRect/>
+          </a:stretch>
+        </p:blipFill>
+        <p:spPr>
+          <a:xfrm>
+            <a:off x="1176582" y="4072555"/>
+            <a:ext cx="6272213" cy="1085242"/>
+          </a:xfrm>
+          <a:prstGeom prst="rect">
+            <a:avLst/>
+          </a:prstGeom>
+        </p:spPr>
+      </p:pic>
+    </p:spTree>
+    <p:extLst>
+      <p:ext uri="{BB962C8B-B14F-4D97-AF65-F5344CB8AC3E}">
+        <p14:creationId xmlns:p14="http://schemas.microsoft.com/office/powerpoint/2010/main" val="3612985063"/>
       </p:ext>
     </p:extLst>
   </p:cSld>
